--- a/lectures/model-assessment.pptx
+++ b/lectures/model-assessment.pptx
@@ -222,7 +222,7 @@
           <a:p>
             <a:fld id="{8A1B613A-EFF1-404F-BEE8-EFAE84A4E5E2}" type="datetimeFigureOut">
               <a:rPr lang="en-US" smtClean="0"/>
-              <a:t>2/22/21</a:t>
+              <a:t>10/10/21</a:t>
             </a:fld>
             <a:endParaRPr lang="en-US"/>
           </a:p>
@@ -387,7 +387,7 @@
           <a:p>
             <a:fld id="{690847EA-AC25-3D4E-89E1-FD3F6A9702B6}" type="datetimeFigureOut">
               <a:rPr lang="en-US" smtClean="0"/>
-              <a:t>2/22/21</a:t>
+              <a:t>10/10/21</a:t>
             </a:fld>
             <a:endParaRPr lang="en-US"/>
           </a:p>
@@ -801,7 +801,7 @@
           <a:p>
             <a:fld id="{BE5295ED-3BAF-1140-8495-3D368771D6B1}" type="datetimeFigureOut">
               <a:rPr lang="en-US" smtClean="0"/>
-              <a:t>2/22/21</a:t>
+              <a:t>10/10/21</a:t>
             </a:fld>
             <a:endParaRPr lang="en-US"/>
           </a:p>
@@ -999,7 +999,7 @@
           <a:p>
             <a:fld id="{BE5295ED-3BAF-1140-8495-3D368771D6B1}" type="datetimeFigureOut">
               <a:rPr lang="en-US" smtClean="0"/>
-              <a:t>2/22/21</a:t>
+              <a:t>10/10/21</a:t>
             </a:fld>
             <a:endParaRPr lang="en-US"/>
           </a:p>
@@ -1207,7 +1207,7 @@
           <a:p>
             <a:fld id="{BE5295ED-3BAF-1140-8495-3D368771D6B1}" type="datetimeFigureOut">
               <a:rPr lang="en-US" smtClean="0"/>
-              <a:t>2/22/21</a:t>
+              <a:t>10/10/21</a:t>
             </a:fld>
             <a:endParaRPr lang="en-US"/>
           </a:p>
@@ -1405,7 +1405,7 @@
           <a:p>
             <a:fld id="{BE5295ED-3BAF-1140-8495-3D368771D6B1}" type="datetimeFigureOut">
               <a:rPr lang="en-US" smtClean="0"/>
-              <a:t>2/22/21</a:t>
+              <a:t>10/10/21</a:t>
             </a:fld>
             <a:endParaRPr lang="en-US"/>
           </a:p>
@@ -1680,7 +1680,7 @@
           <a:p>
             <a:fld id="{BE5295ED-3BAF-1140-8495-3D368771D6B1}" type="datetimeFigureOut">
               <a:rPr lang="en-US" smtClean="0"/>
-              <a:t>2/22/21</a:t>
+              <a:t>10/10/21</a:t>
             </a:fld>
             <a:endParaRPr lang="en-US"/>
           </a:p>
@@ -1945,7 +1945,7 @@
           <a:p>
             <a:fld id="{BE5295ED-3BAF-1140-8495-3D368771D6B1}" type="datetimeFigureOut">
               <a:rPr lang="en-US" smtClean="0"/>
-              <a:t>2/22/21</a:t>
+              <a:t>10/10/21</a:t>
             </a:fld>
             <a:endParaRPr lang="en-US"/>
           </a:p>
@@ -2357,7 +2357,7 @@
           <a:p>
             <a:fld id="{BE5295ED-3BAF-1140-8495-3D368771D6B1}" type="datetimeFigureOut">
               <a:rPr lang="en-US" smtClean="0"/>
-              <a:t>2/22/21</a:t>
+              <a:t>10/10/21</a:t>
             </a:fld>
             <a:endParaRPr lang="en-US"/>
           </a:p>
@@ -2498,7 +2498,7 @@
           <a:p>
             <a:fld id="{BE5295ED-3BAF-1140-8495-3D368771D6B1}" type="datetimeFigureOut">
               <a:rPr lang="en-US" smtClean="0"/>
-              <a:t>2/22/21</a:t>
+              <a:t>10/10/21</a:t>
             </a:fld>
             <a:endParaRPr lang="en-US"/>
           </a:p>
@@ -2611,7 +2611,7 @@
           <a:p>
             <a:fld id="{BE5295ED-3BAF-1140-8495-3D368771D6B1}" type="datetimeFigureOut">
               <a:rPr lang="en-US" smtClean="0"/>
-              <a:t>2/22/21</a:t>
+              <a:t>10/10/21</a:t>
             </a:fld>
             <a:endParaRPr lang="en-US"/>
           </a:p>
@@ -2922,7 +2922,7 @@
           <a:p>
             <a:fld id="{BE5295ED-3BAF-1140-8495-3D368771D6B1}" type="datetimeFigureOut">
               <a:rPr lang="en-US" smtClean="0"/>
-              <a:t>2/22/21</a:t>
+              <a:t>10/10/21</a:t>
             </a:fld>
             <a:endParaRPr lang="en-US"/>
           </a:p>
@@ -3213,7 +3213,7 @@
           <a:p>
             <a:fld id="{BE5295ED-3BAF-1140-8495-3D368771D6B1}" type="datetimeFigureOut">
               <a:rPr lang="en-US" smtClean="0"/>
-              <a:t>2/22/21</a:t>
+              <a:t>10/10/21</a:t>
             </a:fld>
             <a:endParaRPr lang="en-US"/>
           </a:p>
@@ -3454,7 +3454,7 @@
           <a:p>
             <a:fld id="{BE5295ED-3BAF-1140-8495-3D368771D6B1}" type="datetimeFigureOut">
               <a:rPr lang="en-US" smtClean="0"/>
-              <a:t>2/22/21</a:t>
+              <a:t>10/10/21</a:t>
             </a:fld>
             <a:endParaRPr lang="en-US"/>
           </a:p>
@@ -4069,8 +4069,8 @@
           </a:p>
         </p:txBody>
       </p:sp>
-      <mc:AlternateContent xmlns:mc="http://schemas.openxmlformats.org/markup-compatibility/2006">
-        <mc:Choice xmlns:a14="http://schemas.microsoft.com/office/drawing/2010/main" Requires="a14">
+      <mc:AlternateContent xmlns:mc="http://schemas.openxmlformats.org/markup-compatibility/2006" xmlns:a14="http://schemas.microsoft.com/office/drawing/2010/main">
+        <mc:Choice Requires="a14">
           <p:sp>
             <p:nvSpPr>
               <p:cNvPr id="3" name="Content Placeholder 2"/>
@@ -4196,7 +4196,7 @@
             </p:txBody>
           </p:sp>
         </mc:Choice>
-        <mc:Fallback>
+        <mc:Fallback xmlns="">
           <p:sp>
             <p:nvSpPr>
               <p:cNvPr id="3" name="Content Placeholder 2"/>
@@ -4322,8 +4322,8 @@
           </a:p>
         </p:txBody>
       </p:sp>
-      <mc:AlternateContent xmlns:mc="http://schemas.openxmlformats.org/markup-compatibility/2006">
-        <mc:Choice xmlns:a14="http://schemas.microsoft.com/office/drawing/2010/main" Requires="a14">
+      <mc:AlternateContent xmlns:mc="http://schemas.openxmlformats.org/markup-compatibility/2006" xmlns:a14="http://schemas.microsoft.com/office/drawing/2010/main">
+        <mc:Choice Requires="a14">
           <p:sp>
             <p:nvSpPr>
               <p:cNvPr id="3" name="Content Placeholder 2">
@@ -4425,7 +4425,7 @@
             </p:txBody>
           </p:sp>
         </mc:Choice>
-        <mc:Fallback>
+        <mc:Fallback xmlns="">
           <p:sp>
             <p:nvSpPr>
               <p:cNvPr id="3" name="Content Placeholder 2">
@@ -5043,8 +5043,8 @@
           </a:p>
         </p:txBody>
       </p:sp>
-      <mc:AlternateContent xmlns:mc="http://schemas.openxmlformats.org/markup-compatibility/2006">
-        <mc:Choice xmlns:a14="http://schemas.microsoft.com/office/drawing/2010/main" Requires="a14">
+      <mc:AlternateContent xmlns:mc="http://schemas.openxmlformats.org/markup-compatibility/2006" xmlns:a14="http://schemas.microsoft.com/office/drawing/2010/main">
+        <mc:Choice Requires="a14">
           <p:sp>
             <p:nvSpPr>
               <p:cNvPr id="3" name="Content Placeholder 2"/>
@@ -5256,7 +5256,7 @@
             </p:txBody>
           </p:sp>
         </mc:Choice>
-        <mc:Fallback>
+        <mc:Fallback xmlns="">
           <p:sp>
             <p:nvSpPr>
               <p:cNvPr id="3" name="Content Placeholder 2"/>
@@ -5649,8 +5649,8 @@
           </a:p>
         </p:txBody>
       </p:sp>
-      <mc:AlternateContent xmlns:mc="http://schemas.openxmlformats.org/markup-compatibility/2006">
-        <mc:Choice xmlns:a14="http://schemas.microsoft.com/office/drawing/2010/main" Requires="a14">
+      <mc:AlternateContent xmlns:mc="http://schemas.openxmlformats.org/markup-compatibility/2006" xmlns:a14="http://schemas.microsoft.com/office/drawing/2010/main">
+        <mc:Choice Requires="a14">
           <p:sp>
             <p:nvSpPr>
               <p:cNvPr id="3" name="Content Placeholder 2">
@@ -5750,7 +5750,7 @@
             </p:txBody>
           </p:sp>
         </mc:Choice>
-        <mc:Fallback>
+        <mc:Fallback xmlns="">
           <p:sp>
             <p:nvSpPr>
               <p:cNvPr id="3" name="Content Placeholder 2">
@@ -6044,8 +6044,8 @@
           </a:prstGeom>
         </p:spPr>
       </p:pic>
-      <mc:AlternateContent xmlns:mc="http://schemas.openxmlformats.org/markup-compatibility/2006">
-        <mc:Choice xmlns:a14="http://schemas.microsoft.com/office/drawing/2010/main" Requires="a14">
+      <mc:AlternateContent xmlns:mc="http://schemas.openxmlformats.org/markup-compatibility/2006" xmlns:a14="http://schemas.microsoft.com/office/drawing/2010/main">
+        <mc:Choice Requires="a14">
           <p:sp>
             <p:nvSpPr>
               <p:cNvPr id="8" name="TextBox 7">
@@ -6105,7 +6105,7 @@
             </p:txBody>
           </p:sp>
         </mc:Choice>
-        <mc:Fallback>
+        <mc:Fallback xmlns="">
           <p:sp>
             <p:nvSpPr>
               <p:cNvPr id="8" name="TextBox 7">
@@ -7109,8 +7109,8 @@
           </a:p>
         </p:txBody>
       </p:sp>
-      <mc:AlternateContent xmlns:mc="http://schemas.openxmlformats.org/markup-compatibility/2006">
-        <mc:Choice xmlns:a14="http://schemas.microsoft.com/office/drawing/2010/main" Requires="a14">
+      <mc:AlternateContent xmlns:mc="http://schemas.openxmlformats.org/markup-compatibility/2006" xmlns:a14="http://schemas.microsoft.com/office/drawing/2010/main">
+        <mc:Choice Requires="a14">
           <p:sp>
             <p:nvSpPr>
               <p:cNvPr id="3" name="Content Placeholder 2"/>
@@ -7268,7 +7268,7 @@
             </p:txBody>
           </p:sp>
         </mc:Choice>
-        <mc:Fallback>
+        <mc:Fallback xmlns="">
           <p:sp>
             <p:nvSpPr>
               <p:cNvPr id="3" name="Content Placeholder 2"/>
@@ -7315,7 +7315,7 @@
         <p:spPr>
           <a:xfrm>
             <a:off x="126460" y="6311900"/>
-            <a:ext cx="7618689" cy="369332"/>
+            <a:ext cx="7746736" cy="369332"/>
           </a:xfrm>
           <a:prstGeom prst="rect">
             <a:avLst/>
@@ -7337,15 +7337,7 @@
             </a:r>
             <a:r>
               <a:rPr lang="en-US" dirty="0"/>
-              <a:t> post by </a:t>
-            </a:r>
-            <a:r>
-              <a:rPr lang="en-US" dirty="0" err="1"/>
-              <a:t>Chstiros</a:t>
-            </a:r>
-            <a:r>
-              <a:rPr lang="en-US" dirty="0"/>
-              <a:t> </a:t>
+              <a:t> post by Christos </a:t>
             </a:r>
             <a:r>
               <a:rPr lang="en-US" dirty="0" err="1"/>
@@ -7423,100 +7415,254 @@
           </a:p>
         </p:txBody>
       </p:sp>
-      <p:sp>
-        <p:nvSpPr>
-          <p:cNvPr id="3" name="Content Placeholder 2">
-            <a:extLst>
-              <a:ext uri="{FF2B5EF4-FFF2-40B4-BE49-F238E27FC236}">
-                <a16:creationId xmlns:a16="http://schemas.microsoft.com/office/drawing/2014/main" id="{49325E14-734B-9447-99E8-3FE71DA4791E}"/>
-              </a:ext>
-            </a:extLst>
-          </p:cNvPr>
-          <p:cNvSpPr>
-            <a:spLocks noGrp="1"/>
-          </p:cNvSpPr>
-          <p:nvPr>
-            <p:ph idx="1"/>
-          </p:nvPr>
-        </p:nvSpPr>
-        <p:spPr>
-          <a:xfrm>
-            <a:off x="838200" y="1570383"/>
-            <a:ext cx="10515600" cy="4606580"/>
-          </a:xfrm>
-        </p:spPr>
-        <p:txBody>
-          <a:bodyPr>
-            <a:normAutofit fontScale="92500" lnSpcReduction="10000"/>
-          </a:bodyPr>
-          <a:lstStyle/>
-          <a:p>
-            <a:r>
-              <a:rPr lang="en-US" dirty="0"/>
-              <a:t>A model can be inaccurate/noisy but not biased; to me, bias</a:t>
-            </a:r>
-            <a:br>
-              <a:rPr lang="en-US" dirty="0"/>
-            </a:br>
-            <a:r>
-              <a:rPr lang="en-US" dirty="0"/>
-              <a:t>means systematically always under-predicting or always</a:t>
-            </a:r>
-            <a:br>
-              <a:rPr lang="en-US" dirty="0"/>
-            </a:br>
-            <a:r>
-              <a:rPr lang="en-US" dirty="0"/>
-              <a:t>over-predicting</a:t>
-            </a:r>
-          </a:p>
-          <a:p>
-            <a:r>
-              <a:rPr lang="en-US" dirty="0"/>
-              <a:t>We measure accuracy (though bias </a:t>
-            </a:r>
-            <a:r>
-              <a:rPr lang="en-US" dirty="0" err="1"/>
-              <a:t>oftened</a:t>
-            </a:r>
-            <a:r>
-              <a:rPr lang="en-US" dirty="0"/>
-              <a:t> used as shorthand)</a:t>
-            </a:r>
-            <a:br>
-              <a:rPr lang="en-US" dirty="0"/>
-            </a:br>
-            <a:r>
-              <a:rPr lang="en-US" dirty="0"/>
-              <a:t>and generality by comparing predictions to known results, usually with the same metric</a:t>
-            </a:r>
-          </a:p>
-          <a:p>
-            <a:r>
-              <a:rPr lang="en-US" dirty="0"/>
-              <a:t>But, how can we measure two things with the same metric?</a:t>
-            </a:r>
-          </a:p>
-          <a:p>
-            <a:r>
-              <a:rPr lang="en-US" dirty="0"/>
-              <a:t>We compare metrics computed on two data sets pulled from the same distribution (hopefully): training and validation/test sets</a:t>
-            </a:r>
-          </a:p>
-          <a:p>
-            <a:r>
-              <a:rPr lang="en-US" dirty="0"/>
-              <a:t>Summary: goal is high accuracy on the test set because it implies generality (and also high accuracy / low bias)</a:t>
-            </a:r>
-          </a:p>
-          <a:p>
-            <a:r>
-              <a:rPr lang="en-US" dirty="0"/>
-              <a:t>So, let's look at how to break up our data into different sets</a:t>
-            </a:r>
-          </a:p>
-        </p:txBody>
-      </p:sp>
+      <mc:AlternateContent xmlns:mc="http://schemas.openxmlformats.org/markup-compatibility/2006">
+        <mc:Choice xmlns:a14="http://schemas.microsoft.com/office/drawing/2010/main" Requires="a14">
+          <p:sp>
+            <p:nvSpPr>
+              <p:cNvPr id="3" name="Content Placeholder 2">
+                <a:extLst>
+                  <a:ext uri="{FF2B5EF4-FFF2-40B4-BE49-F238E27FC236}">
+                    <a16:creationId xmlns:a16="http://schemas.microsoft.com/office/drawing/2014/main" id="{49325E14-734B-9447-99E8-3FE71DA4791E}"/>
+                  </a:ext>
+                </a:extLst>
+              </p:cNvPr>
+              <p:cNvSpPr>
+                <a:spLocks noGrp="1"/>
+              </p:cNvSpPr>
+              <p:nvPr>
+                <p:ph idx="1"/>
+              </p:nvPr>
+            </p:nvSpPr>
+            <p:spPr>
+              <a:xfrm>
+                <a:off x="838200" y="1570383"/>
+                <a:ext cx="10515600" cy="4922492"/>
+              </a:xfrm>
+            </p:spPr>
+            <p:txBody>
+              <a:bodyPr>
+                <a:normAutofit fontScale="85000" lnSpcReduction="20000"/>
+              </a:bodyPr>
+              <a:lstStyle/>
+              <a:p>
+                <a:r>
+                  <a:rPr lang="en-US" dirty="0"/>
+                  <a:t>A model can be inaccurate/noisy but at same time not biased;</a:t>
+                </a:r>
+                <a:br>
+                  <a:rPr lang="en-US" dirty="0"/>
+                </a:br>
+                <a:r>
+                  <a:rPr lang="en-US" dirty="0"/>
+                  <a:t>to me, bias means systematically always under-predicting or</a:t>
+                </a:r>
+                <a:br>
+                  <a:rPr lang="en-US" dirty="0"/>
+                </a:br>
+                <a:r>
+                  <a:rPr lang="en-US" dirty="0"/>
+                  <a:t>always over-predicting</a:t>
+                </a:r>
+              </a:p>
+              <a:p>
+                <a:r>
+                  <a:rPr lang="en-US" dirty="0"/>
+                  <a:t>Imagine many models trained on slightly different training data,</a:t>
+                </a:r>
+                <a:br>
+                  <a:rPr lang="en-US" dirty="0"/>
+                </a:br>
+                <a:r>
+                  <a:rPr lang="en-US" dirty="0"/>
+                  <a:t>then predictions </a:t>
+                </a:r>
+                <a14:m>
+                  <m:oMath xmlns:m="http://schemas.openxmlformats.org/officeDocument/2006/math">
+                    <m:sSup>
+                      <m:sSupPr>
+                        <m:ctrlPr>
+                          <a:rPr lang="en-US" b="0" i="1" dirty="0" smtClean="0">
+                            <a:latin typeface="Cambria Math" panose="02040503050406030204" pitchFamily="18" charset="0"/>
+                          </a:rPr>
+                        </m:ctrlPr>
+                      </m:sSupPr>
+                      <m:e>
+                        <m:acc>
+                          <m:accPr>
+                            <m:chr m:val="̂"/>
+                            <m:ctrlPr>
+                              <a:rPr lang="en-US" b="0" i="1" smtClean="0">
+                                <a:latin typeface="Cambria Math" panose="02040503050406030204" pitchFamily="18" charset="0"/>
+                              </a:rPr>
+                            </m:ctrlPr>
+                          </m:accPr>
+                          <m:e>
+                            <m:r>
+                              <a:rPr lang="en-US" b="0" i="1" smtClean="0">
+                                <a:latin typeface="Cambria Math" panose="02040503050406030204" pitchFamily="18" charset="0"/>
+                              </a:rPr>
+                              <m:t>𝑦</m:t>
+                            </m:r>
+                          </m:e>
+                        </m:acc>
+                      </m:e>
+                      <m:sup>
+                        <m:r>
+                          <a:rPr lang="en-US" b="0" i="1" dirty="0" smtClean="0">
+                            <a:latin typeface="Cambria Math" panose="02040503050406030204" pitchFamily="18" charset="0"/>
+                          </a:rPr>
+                          <m:t>(</m:t>
+                        </m:r>
+                        <m:r>
+                          <a:rPr lang="en-US" b="0" i="1" dirty="0" smtClean="0">
+                            <a:latin typeface="Cambria Math" panose="02040503050406030204" pitchFamily="18" charset="0"/>
+                          </a:rPr>
+                          <m:t>𝑖</m:t>
+                        </m:r>
+                        <m:r>
+                          <a:rPr lang="en-US" b="0" i="1" dirty="0" smtClean="0">
+                            <a:latin typeface="Cambria Math" panose="02040503050406030204" pitchFamily="18" charset="0"/>
+                          </a:rPr>
+                          <m:t>)</m:t>
+                        </m:r>
+                      </m:sup>
+                    </m:sSup>
+                  </m:oMath>
+                </a14:m>
+                <a:r>
+                  <a:rPr lang="en-US" dirty="0"/>
+                  <a:t> for one </a:t>
+                </a:r>
+                <a14:m>
+                  <m:oMath xmlns:m="http://schemas.openxmlformats.org/officeDocument/2006/math">
+                    <m:sSup>
+                      <m:sSupPr>
+                        <m:ctrlPr>
+                          <a:rPr lang="en-US" b="0" i="1" smtClean="0">
+                            <a:latin typeface="Cambria Math" panose="02040503050406030204" pitchFamily="18" charset="0"/>
+                          </a:rPr>
+                        </m:ctrlPr>
+                      </m:sSupPr>
+                      <m:e>
+                        <m:r>
+                          <a:rPr lang="en-US" b="0" i="1" smtClean="0">
+                            <a:latin typeface="Cambria Math" panose="02040503050406030204" pitchFamily="18" charset="0"/>
+                          </a:rPr>
+                          <m:t>𝑥</m:t>
+                        </m:r>
+                      </m:e>
+                      <m:sup>
+                        <m:r>
+                          <a:rPr lang="en-US" b="0" i="1" smtClean="0">
+                            <a:latin typeface="Cambria Math" panose="02040503050406030204" pitchFamily="18" charset="0"/>
+                          </a:rPr>
+                          <m:t>(</m:t>
+                        </m:r>
+                        <m:r>
+                          <a:rPr lang="en-US" b="0" i="1" smtClean="0">
+                            <a:latin typeface="Cambria Math" panose="02040503050406030204" pitchFamily="18" charset="0"/>
+                          </a:rPr>
+                          <m:t>𝑖</m:t>
+                        </m:r>
+                        <m:r>
+                          <a:rPr lang="en-US" b="0" i="1" smtClean="0">
+                            <a:latin typeface="Cambria Math" panose="02040503050406030204" pitchFamily="18" charset="0"/>
+                          </a:rPr>
+                          <m:t>)</m:t>
+                        </m:r>
+                      </m:sup>
+                    </m:sSup>
+                  </m:oMath>
+                </a14:m>
+                <a:r>
+                  <a:rPr lang="en-US" dirty="0"/>
+                  <a:t> might look like this:    </a:t>
+                </a:r>
+              </a:p>
+              <a:p>
+                <a:r>
+                  <a:rPr lang="en-US" dirty="0"/>
+                  <a:t>We measure accuracy (though bias often used as shorthand)</a:t>
+                </a:r>
+                <a:br>
+                  <a:rPr lang="en-US" dirty="0"/>
+                </a:br>
+                <a:r>
+                  <a:rPr lang="en-US" dirty="0"/>
+                  <a:t>and generality by comparing predictions to known results, usually with the same metric</a:t>
+                </a:r>
+              </a:p>
+              <a:p>
+                <a:r>
+                  <a:rPr lang="en-US" dirty="0"/>
+                  <a:t>But, how can we measure two things with the same metric?</a:t>
+                </a:r>
+              </a:p>
+              <a:p>
+                <a:r>
+                  <a:rPr lang="en-US" dirty="0"/>
+                  <a:t>We compare metrics computed on two data sets pulled from the same distribution (hopefully): training and validation/test sets</a:t>
+                </a:r>
+              </a:p>
+              <a:p>
+                <a:r>
+                  <a:rPr lang="en-US" dirty="0"/>
+                  <a:t>Summary: goal is high accuracy on the test set because it implies generality (and also high accuracy / low bias)</a:t>
+                </a:r>
+              </a:p>
+              <a:p>
+                <a:r>
+                  <a:rPr lang="en-US" dirty="0"/>
+                  <a:t>So, let's look at how to break up our data into different sets</a:t>
+                </a:r>
+              </a:p>
+            </p:txBody>
+          </p:sp>
+        </mc:Choice>
+        <mc:Fallback>
+          <p:sp>
+            <p:nvSpPr>
+              <p:cNvPr id="3" name="Content Placeholder 2">
+                <a:extLst>
+                  <a:ext uri="{FF2B5EF4-FFF2-40B4-BE49-F238E27FC236}">
+                    <a16:creationId xmlns:a16="http://schemas.microsoft.com/office/drawing/2014/main" id="{49325E14-734B-9447-99E8-3FE71DA4791E}"/>
+                  </a:ext>
+                </a:extLst>
+              </p:cNvPr>
+              <p:cNvSpPr>
+                <a:spLocks noGrp="1" noRot="1" noChangeAspect="1" noMove="1" noResize="1" noEditPoints="1" noAdjustHandles="1" noChangeArrowheads="1" noChangeShapeType="1" noTextEdit="1"/>
+              </p:cNvSpPr>
+              <p:nvPr>
+                <p:ph idx="1"/>
+              </p:nvPr>
+            </p:nvSpPr>
+            <p:spPr>
+              <a:xfrm>
+                <a:off x="838200" y="1570383"/>
+                <a:ext cx="10515600" cy="4922492"/>
+              </a:xfrm>
+              <a:blipFill>
+                <a:blip r:embed="rId2"/>
+                <a:stretch>
+                  <a:fillRect l="-844" t="-3085"/>
+                </a:stretch>
+              </a:blipFill>
+            </p:spPr>
+            <p:txBody>
+              <a:bodyPr/>
+              <a:lstStyle/>
+              <a:p>
+                <a:r>
+                  <a:rPr lang="en-US">
+                    <a:noFill/>
+                  </a:rPr>
+                  <a:t> </a:t>
+                </a:r>
+              </a:p>
+            </p:txBody>
+          </p:sp>
+        </mc:Fallback>
+      </mc:AlternateContent>
       <p:pic>
         <p:nvPicPr>
           <p:cNvPr id="6" name="Picture 5">
@@ -7532,7 +7678,7 @@
           <p:nvPr/>
         </p:nvPicPr>
         <p:blipFill>
-          <a:blip r:embed="rId2"/>
+          <a:blip r:embed="rId3"/>
           <a:stretch>
             <a:fillRect/>
           </a:stretch>
@@ -7547,92 +7693,79 @@
           </a:prstGeom>
         </p:spPr>
       </p:pic>
-      <p:sp>
-        <p:nvSpPr>
-          <p:cNvPr id="19" name="Freeform 18">
+      <p:cxnSp>
+        <p:nvCxnSpPr>
+          <p:cNvPr id="5" name="Straight Arrow Connector 4">
             <a:extLst>
               <a:ext uri="{FF2B5EF4-FFF2-40B4-BE49-F238E27FC236}">
-                <a16:creationId xmlns:a16="http://schemas.microsoft.com/office/drawing/2014/main" id="{CBA74F98-D0AF-7A42-A936-54DF53FE5ABE}"/>
+                <a16:creationId xmlns:a16="http://schemas.microsoft.com/office/drawing/2014/main" id="{E6069E70-3393-0349-9748-CC312D729DC5}"/>
               </a:ext>
             </a:extLst>
           </p:cNvPr>
-          <p:cNvSpPr/>
+          <p:cNvCxnSpPr>
+            <a:cxnSpLocks/>
+            <a:endCxn id="6" idx="1"/>
+          </p:cNvCxnSpPr>
           <p:nvPr/>
-        </p:nvSpPr>
+        </p:nvCxnSpPr>
         <p:spPr>
-          <a:xfrm>
-            <a:off x="5054600" y="1443855"/>
-            <a:ext cx="5575300" cy="245245"/>
+          <a:xfrm flipV="1">
+            <a:off x="8249478" y="1935093"/>
+            <a:ext cx="2392103" cy="960853"/>
           </a:xfrm>
-          <a:custGeom>
+          <a:prstGeom prst="straightConnector1">
             <a:avLst/>
-            <a:gdLst>
-              <a:gd name="connsiteX0" fmla="*/ 0 w 5575300"/>
-              <a:gd name="connsiteY0" fmla="*/ 118245 h 245245"/>
-              <a:gd name="connsiteX1" fmla="*/ 3289300 w 5575300"/>
-              <a:gd name="connsiteY1" fmla="*/ 3945 h 245245"/>
-              <a:gd name="connsiteX2" fmla="*/ 5575300 w 5575300"/>
-              <a:gd name="connsiteY2" fmla="*/ 245245 h 245245"/>
-            </a:gdLst>
-            <a:ahLst/>
-            <a:cxnLst>
-              <a:cxn ang="0">
-                <a:pos x="connsiteX0" y="connsiteY0"/>
-              </a:cxn>
-              <a:cxn ang="0">
-                <a:pos x="connsiteX1" y="connsiteY1"/>
-              </a:cxn>
-              <a:cxn ang="0">
-                <a:pos x="connsiteX2" y="connsiteY2"/>
-              </a:cxn>
-            </a:cxnLst>
-            <a:rect l="l" t="t" r="r" b="b"/>
-            <a:pathLst>
-              <a:path w="5575300" h="245245">
-                <a:moveTo>
-                  <a:pt x="0" y="118245"/>
-                </a:moveTo>
-                <a:cubicBezTo>
-                  <a:pt x="1180041" y="50511"/>
-                  <a:pt x="2360083" y="-17222"/>
-                  <a:pt x="3289300" y="3945"/>
-                </a:cubicBezTo>
-                <a:cubicBezTo>
-                  <a:pt x="4218517" y="25112"/>
-                  <a:pt x="4896908" y="135178"/>
-                  <a:pt x="5575300" y="245245"/>
-                </a:cubicBezTo>
-              </a:path>
-            </a:pathLst>
-          </a:custGeom>
-          <a:noFill/>
-          <a:ln>
-            <a:headEnd w="sm" len="sm"/>
-            <a:tailEnd type="triangle" w="lg" len="med"/>
+          </a:prstGeom>
+          <a:ln w="12700">
+            <a:tailEnd type="triangle"/>
           </a:ln>
         </p:spPr>
         <p:style>
-          <a:lnRef idx="2">
-            <a:schemeClr val="accent1">
-              <a:shade val="50000"/>
-            </a:schemeClr>
+          <a:lnRef idx="1">
+            <a:schemeClr val="accent1"/>
           </a:lnRef>
-          <a:fillRef idx="1">
+          <a:fillRef idx="0">
             <a:schemeClr val="accent1"/>
           </a:fillRef>
           <a:effectRef idx="0">
             <a:schemeClr val="accent1"/>
           </a:effectRef>
           <a:fontRef idx="minor">
-            <a:schemeClr val="lt1"/>
+            <a:schemeClr val="tx1"/>
           </a:fontRef>
         </p:style>
-        <p:txBody>
-          <a:bodyPr rtlCol="0" anchor="ctr"/>
+      </p:cxnSp>
+      <p:sp>
+        <p:nvSpPr>
+          <p:cNvPr id="8" name="Rectangle 7">
+            <a:extLst>
+              <a:ext uri="{FF2B5EF4-FFF2-40B4-BE49-F238E27FC236}">
+                <a16:creationId xmlns:a16="http://schemas.microsoft.com/office/drawing/2014/main" id="{EBB1469A-8385-7A48-872C-9EB1D4392118}"/>
+              </a:ext>
+            </a:extLst>
+          </p:cNvPr>
+          <p:cNvSpPr/>
+          <p:nvPr/>
+        </p:nvSpPr>
+        <p:spPr>
+          <a:xfrm>
+            <a:off x="10578679" y="2586582"/>
+            <a:ext cx="1613321" cy="646331"/>
+          </a:xfrm>
+          <a:prstGeom prst="rect">
+            <a:avLst/>
+          </a:prstGeom>
+        </p:spPr>
+        <p:txBody>
+          <a:bodyPr wrap="square">
+            <a:spAutoFit/>
+          </a:bodyPr>
           <a:lstStyle/>
           <a:p>
-            <a:pPr algn="ctr"/>
-            <a:endParaRPr lang="en-US"/>
+            <a:r>
+              <a:rPr lang="en-US" dirty="0"/>
+              <a:t>unbiased but high variance</a:t>
+            </a:r>
           </a:p>
         </p:txBody>
       </p:sp>
@@ -8699,8 +8832,8 @@
           </a:p>
         </p:txBody>
       </p:sp>
-      <mc:AlternateContent xmlns:mc="http://schemas.openxmlformats.org/markup-compatibility/2006">
-        <mc:Choice xmlns:a14="http://schemas.microsoft.com/office/drawing/2010/main" Requires="a14">
+      <mc:AlternateContent xmlns:mc="http://schemas.openxmlformats.org/markup-compatibility/2006" xmlns:a14="http://schemas.microsoft.com/office/drawing/2010/main">
+        <mc:Choice Requires="a14">
           <p:sp>
             <p:nvSpPr>
               <p:cNvPr id="3" name="Content Placeholder 2"/>
@@ -8832,7 +8965,7 @@
             </p:txBody>
           </p:sp>
         </mc:Choice>
-        <mc:Fallback>
+        <mc:Fallback xmlns="">
           <p:sp>
             <p:nvSpPr>
               <p:cNvPr id="3" name="Content Placeholder 2"/>
